--- a/salun_experiments/SalUn Experiment.pptx
+++ b/salun_experiments/SalUn Experiment.pptx
@@ -236,7 +236,7 @@
           <a:p>
             <a:fld id="{49183EA4-35DB-4EB1-9E77-EEB43C0F9554}" type="datetimeFigureOut">
               <a:rPr lang="ko-KR" altLang="en-US" smtClean="0"/>
-              <a:t>2024-06-07</a:t>
+              <a:t>2024-07-30</a:t>
             </a:fld>
             <a:endParaRPr lang="ko-KR" altLang="en-US"/>
           </a:p>
@@ -734,7 +734,7 @@
           <a:p>
             <a:fld id="{BC9A3E6A-DCFB-4E2E-A265-AFC60E5DDCA7}" type="datetimeFigureOut">
               <a:rPr lang="ko-KR" altLang="en-US" smtClean="0"/>
-              <a:t>2024-06-07</a:t>
+              <a:t>2024-07-30</a:t>
             </a:fld>
             <a:endParaRPr lang="ko-KR" altLang="en-US"/>
           </a:p>
@@ -932,7 +932,7 @@
           <a:p>
             <a:fld id="{BC9A3E6A-DCFB-4E2E-A265-AFC60E5DDCA7}" type="datetimeFigureOut">
               <a:rPr lang="ko-KR" altLang="en-US" smtClean="0"/>
-              <a:t>2024-06-07</a:t>
+              <a:t>2024-07-30</a:t>
             </a:fld>
             <a:endParaRPr lang="ko-KR" altLang="en-US"/>
           </a:p>
@@ -1140,7 +1140,7 @@
           <a:p>
             <a:fld id="{BC9A3E6A-DCFB-4E2E-A265-AFC60E5DDCA7}" type="datetimeFigureOut">
               <a:rPr lang="ko-KR" altLang="en-US" smtClean="0"/>
-              <a:t>2024-06-07</a:t>
+              <a:t>2024-07-30</a:t>
             </a:fld>
             <a:endParaRPr lang="ko-KR" altLang="en-US"/>
           </a:p>
@@ -1338,7 +1338,7 @@
           <a:p>
             <a:fld id="{BC9A3E6A-DCFB-4E2E-A265-AFC60E5DDCA7}" type="datetimeFigureOut">
               <a:rPr lang="ko-KR" altLang="en-US" smtClean="0"/>
-              <a:t>2024-06-07</a:t>
+              <a:t>2024-07-30</a:t>
             </a:fld>
             <a:endParaRPr lang="ko-KR" altLang="en-US"/>
           </a:p>
@@ -1613,7 +1613,7 @@
           <a:p>
             <a:fld id="{BC9A3E6A-DCFB-4E2E-A265-AFC60E5DDCA7}" type="datetimeFigureOut">
               <a:rPr lang="ko-KR" altLang="en-US" smtClean="0"/>
-              <a:t>2024-06-07</a:t>
+              <a:t>2024-07-30</a:t>
             </a:fld>
             <a:endParaRPr lang="ko-KR" altLang="en-US"/>
           </a:p>
@@ -1878,7 +1878,7 @@
           <a:p>
             <a:fld id="{BC9A3E6A-DCFB-4E2E-A265-AFC60E5DDCA7}" type="datetimeFigureOut">
               <a:rPr lang="ko-KR" altLang="en-US" smtClean="0"/>
-              <a:t>2024-06-07</a:t>
+              <a:t>2024-07-30</a:t>
             </a:fld>
             <a:endParaRPr lang="ko-KR" altLang="en-US"/>
           </a:p>
@@ -2290,7 +2290,7 @@
           <a:p>
             <a:fld id="{BC9A3E6A-DCFB-4E2E-A265-AFC60E5DDCA7}" type="datetimeFigureOut">
               <a:rPr lang="ko-KR" altLang="en-US" smtClean="0"/>
-              <a:t>2024-06-07</a:t>
+              <a:t>2024-07-30</a:t>
             </a:fld>
             <a:endParaRPr lang="ko-KR" altLang="en-US"/>
           </a:p>
@@ -2431,7 +2431,7 @@
           <a:p>
             <a:fld id="{BC9A3E6A-DCFB-4E2E-A265-AFC60E5DDCA7}" type="datetimeFigureOut">
               <a:rPr lang="ko-KR" altLang="en-US" smtClean="0"/>
-              <a:t>2024-06-07</a:t>
+              <a:t>2024-07-30</a:t>
             </a:fld>
             <a:endParaRPr lang="ko-KR" altLang="en-US"/>
           </a:p>
@@ -2544,7 +2544,7 @@
           <a:p>
             <a:fld id="{BC9A3E6A-DCFB-4E2E-A265-AFC60E5DDCA7}" type="datetimeFigureOut">
               <a:rPr lang="ko-KR" altLang="en-US" smtClean="0"/>
-              <a:t>2024-06-07</a:t>
+              <a:t>2024-07-30</a:t>
             </a:fld>
             <a:endParaRPr lang="ko-KR" altLang="en-US"/>
           </a:p>
@@ -2855,7 +2855,7 @@
           <a:p>
             <a:fld id="{BC9A3E6A-DCFB-4E2E-A265-AFC60E5DDCA7}" type="datetimeFigureOut">
               <a:rPr lang="ko-KR" altLang="en-US" smtClean="0"/>
-              <a:t>2024-06-07</a:t>
+              <a:t>2024-07-30</a:t>
             </a:fld>
             <a:endParaRPr lang="ko-KR" altLang="en-US"/>
           </a:p>
@@ -3143,7 +3143,7 @@
           <a:p>
             <a:fld id="{BC9A3E6A-DCFB-4E2E-A265-AFC60E5DDCA7}" type="datetimeFigureOut">
               <a:rPr lang="ko-KR" altLang="en-US" smtClean="0"/>
-              <a:t>2024-06-07</a:t>
+              <a:t>2024-07-30</a:t>
             </a:fld>
             <a:endParaRPr lang="ko-KR" altLang="en-US"/>
           </a:p>
@@ -3384,7 +3384,7 @@
           <a:p>
             <a:fld id="{BC9A3E6A-DCFB-4E2E-A265-AFC60E5DDCA7}" type="datetimeFigureOut">
               <a:rPr lang="ko-KR" altLang="en-US" smtClean="0"/>
-              <a:t>2024-06-07</a:t>
+              <a:t>2024-07-30</a:t>
             </a:fld>
             <a:endParaRPr lang="ko-KR" altLang="en-US"/>
           </a:p>
@@ -3834,7 +3834,7 @@
                 <a:latin typeface="Times New Roman" panose="02020603050405020304" pitchFamily="18" charset="0"/>
                 <a:cs typeface="Times New Roman" panose="02020603050405020304" pitchFamily="18" charset="0"/>
               </a:rPr>
-              <a:t> Experiment</a:t>
+              <a:t> Experiments</a:t>
             </a:r>
             <a:endParaRPr lang="ko-KR" altLang="en-US" dirty="0">
               <a:latin typeface="Times New Roman" panose="02020603050405020304" pitchFamily="18" charset="0"/>
